--- a/doc/그림 작업.pptx
+++ b/doc/그림 작업.pptx
@@ -3238,462 +3238,483 @@
           <a:chExt cx="0" cy="0"/>
         </a:xfrm>
       </p:grpSpPr>
-      <p:pic>
-        <p:nvPicPr>
-          <p:cNvPr id="25" name="그림 24">
+      <p:grpSp>
+        <p:nvGrpSpPr>
+          <p:cNvPr id="2" name="그룹 1">
             <a:extLst>
               <a:ext uri="{FF2B5EF4-FFF2-40B4-BE49-F238E27FC236}">
-                <a16:creationId xmlns:a16="http://schemas.microsoft.com/office/drawing/2014/main" id="{52990F13-27CF-68F4-4AC0-EE2AC0E6B519}"/>
+                <a16:creationId xmlns:a16="http://schemas.microsoft.com/office/drawing/2014/main" id="{E2DE572D-774D-35CC-BF95-B46EDDDEF3EE}"/>
               </a:ext>
             </a:extLst>
           </p:cNvPr>
-          <p:cNvPicPr>
-            <a:picLocks noChangeAspect="1"/>
-          </p:cNvPicPr>
+          <p:cNvGrpSpPr/>
           <p:nvPr/>
-        </p:nvPicPr>
-        <p:blipFill>
-          <a:blip r:embed="rId2"/>
-          <a:stretch>
-            <a:fillRect/>
-          </a:stretch>
-        </p:blipFill>
-        <p:spPr>
+        </p:nvGrpSpPr>
+        <p:grpSpPr>
           <a:xfrm>
-            <a:off x="1222068" y="443949"/>
+            <a:off x="1928997" y="443949"/>
             <a:ext cx="2978289" cy="5882736"/>
+            <a:chOff x="1222068" y="443949"/>
+            <a:chExt cx="2978289" cy="5882736"/>
           </a:xfrm>
-          <a:prstGeom prst="rect">
-            <a:avLst/>
-          </a:prstGeom>
-        </p:spPr>
-      </p:pic>
-      <p:sp>
-        <p:nvSpPr>
-          <p:cNvPr id="15" name="직사각형 14">
-            <a:extLst>
-              <a:ext uri="{FF2B5EF4-FFF2-40B4-BE49-F238E27FC236}">
-                <a16:creationId xmlns:a16="http://schemas.microsoft.com/office/drawing/2014/main" id="{EA9DA9E0-BA7F-BEB0-320E-55D2C07FACBB}"/>
-              </a:ext>
-            </a:extLst>
-          </p:cNvPr>
-          <p:cNvSpPr/>
-          <p:nvPr/>
-        </p:nvSpPr>
-        <p:spPr>
-          <a:xfrm>
-            <a:off x="1894906" y="2905341"/>
-            <a:ext cx="1669774" cy="904511"/>
-          </a:xfrm>
-          <a:prstGeom prst="rect">
-            <a:avLst/>
-          </a:prstGeom>
-          <a:solidFill>
-            <a:schemeClr val="bg1"/>
-          </a:solidFill>
-        </p:spPr>
-        <p:style>
-          <a:lnRef idx="2">
-            <a:schemeClr val="accent1">
-              <a:shade val="15000"/>
-            </a:schemeClr>
-          </a:lnRef>
-          <a:fillRef idx="1">
-            <a:schemeClr val="accent1"/>
-          </a:fillRef>
-          <a:effectRef idx="0">
-            <a:schemeClr val="accent1"/>
-          </a:effectRef>
-          <a:fontRef idx="minor">
-            <a:schemeClr val="lt1"/>
-          </a:fontRef>
-        </p:style>
-        <p:txBody>
-          <a:bodyPr rtlCol="0" anchor="ctr"/>
-          <a:lstStyle/>
-          <a:p>
-            <a:pPr algn="ctr"/>
-            <a:endParaRPr lang="ko-KR" altLang="en-US"/>
-          </a:p>
-        </p:txBody>
-      </p:sp>
-      <p:sp>
-        <p:nvSpPr>
-          <p:cNvPr id="6" name="TextBox 5">
-            <a:extLst>
-              <a:ext uri="{FF2B5EF4-FFF2-40B4-BE49-F238E27FC236}">
-                <a16:creationId xmlns:a16="http://schemas.microsoft.com/office/drawing/2014/main" id="{75E1E9CA-66F5-5C78-4D75-CCA095C6397B}"/>
-              </a:ext>
-            </a:extLst>
-          </p:cNvPr>
-          <p:cNvSpPr txBox="1"/>
-          <p:nvPr/>
-        </p:nvSpPr>
-        <p:spPr>
-          <a:xfrm>
-            <a:off x="1550076" y="1003170"/>
-            <a:ext cx="715069" cy="307777"/>
-          </a:xfrm>
-          <a:prstGeom prst="rect">
-            <a:avLst/>
-          </a:prstGeom>
-          <a:noFill/>
-        </p:spPr>
-        <p:txBody>
-          <a:bodyPr wrap="square" rtlCol="0">
-            <a:spAutoFit/>
-          </a:bodyPr>
-          <a:lstStyle/>
-          <a:p>
-            <a:r>
-              <a:rPr lang="en-US" altLang="ko-KR" sz="1400" dirty="0">
+        </p:grpSpPr>
+        <p:pic>
+          <p:nvPicPr>
+            <p:cNvPr id="25" name="그림 24">
+              <a:extLst>
+                <a:ext uri="{FF2B5EF4-FFF2-40B4-BE49-F238E27FC236}">
+                  <a16:creationId xmlns:a16="http://schemas.microsoft.com/office/drawing/2014/main" id="{52990F13-27CF-68F4-4AC0-EE2AC0E6B519}"/>
+                </a:ext>
+              </a:extLst>
+            </p:cNvPr>
+            <p:cNvPicPr>
+              <a:picLocks noChangeAspect="1"/>
+            </p:cNvPicPr>
+            <p:nvPr/>
+          </p:nvPicPr>
+          <p:blipFill>
+            <a:blip r:embed="rId2"/>
+            <a:stretch>
+              <a:fillRect/>
+            </a:stretch>
+          </p:blipFill>
+          <p:spPr>
+            <a:xfrm>
+              <a:off x="1222068" y="443949"/>
+              <a:ext cx="2978289" cy="5882736"/>
+            </a:xfrm>
+            <a:prstGeom prst="rect">
+              <a:avLst/>
+            </a:prstGeom>
+          </p:spPr>
+        </p:pic>
+        <p:sp>
+          <p:nvSpPr>
+            <p:cNvPr id="15" name="직사각형 14">
+              <a:extLst>
+                <a:ext uri="{FF2B5EF4-FFF2-40B4-BE49-F238E27FC236}">
+                  <a16:creationId xmlns:a16="http://schemas.microsoft.com/office/drawing/2014/main" id="{EA9DA9E0-BA7F-BEB0-320E-55D2C07FACBB}"/>
+                </a:ext>
+              </a:extLst>
+            </p:cNvPr>
+            <p:cNvSpPr/>
+            <p:nvPr/>
+          </p:nvSpPr>
+          <p:spPr>
+            <a:xfrm>
+              <a:off x="1894906" y="2905341"/>
+              <a:ext cx="1669774" cy="904511"/>
+            </a:xfrm>
+            <a:prstGeom prst="rect">
+              <a:avLst/>
+            </a:prstGeom>
+            <a:solidFill>
+              <a:schemeClr val="bg1"/>
+            </a:solidFill>
+          </p:spPr>
+          <p:style>
+            <a:lnRef idx="2">
+              <a:schemeClr val="accent1">
+                <a:shade val="15000"/>
+              </a:schemeClr>
+            </a:lnRef>
+            <a:fillRef idx="1">
+              <a:schemeClr val="accent1"/>
+            </a:fillRef>
+            <a:effectRef idx="0">
+              <a:schemeClr val="accent1"/>
+            </a:effectRef>
+            <a:fontRef idx="minor">
+              <a:schemeClr val="lt1"/>
+            </a:fontRef>
+          </p:style>
+          <p:txBody>
+            <a:bodyPr rtlCol="0" anchor="ctr"/>
+            <a:lstStyle/>
+            <a:p>
+              <a:pPr algn="ctr"/>
+              <a:endParaRPr lang="ko-KR" altLang="en-US"/>
+            </a:p>
+          </p:txBody>
+        </p:sp>
+        <p:sp>
+          <p:nvSpPr>
+            <p:cNvPr id="6" name="TextBox 5">
+              <a:extLst>
+                <a:ext uri="{FF2B5EF4-FFF2-40B4-BE49-F238E27FC236}">
+                  <a16:creationId xmlns:a16="http://schemas.microsoft.com/office/drawing/2014/main" id="{75E1E9CA-66F5-5C78-4D75-CCA095C6397B}"/>
+                </a:ext>
+              </a:extLst>
+            </p:cNvPr>
+            <p:cNvSpPr txBox="1"/>
+            <p:nvPr/>
+          </p:nvSpPr>
+          <p:spPr>
+            <a:xfrm>
+              <a:off x="1550076" y="1003170"/>
+              <a:ext cx="715069" cy="307777"/>
+            </a:xfrm>
+            <a:prstGeom prst="rect">
+              <a:avLst/>
+            </a:prstGeom>
+            <a:noFill/>
+          </p:spPr>
+          <p:txBody>
+            <a:bodyPr wrap="square" rtlCol="0">
+              <a:spAutoFit/>
+            </a:bodyPr>
+            <a:lstStyle/>
+            <a:p>
+              <a:r>
+                <a:rPr lang="en-US" altLang="ko-KR" sz="1400" dirty="0">
+                  <a:latin typeface="Spoqa Han Sans Neo Medium" pitchFamily="50" charset="-127"/>
+                  <a:ea typeface="Spoqa Han Sans Neo Medium" pitchFamily="50" charset="-127"/>
+                </a:rPr>
+                <a:t>D - 39</a:t>
+              </a:r>
+              <a:endParaRPr lang="ko-KR" altLang="en-US" sz="1400" dirty="0">
                 <a:latin typeface="Spoqa Han Sans Neo Medium" pitchFamily="50" charset="-127"/>
                 <a:ea typeface="Spoqa Han Sans Neo Medium" pitchFamily="50" charset="-127"/>
-              </a:rPr>
-              <a:t>D - 39</a:t>
-            </a:r>
-            <a:endParaRPr lang="ko-KR" altLang="en-US" sz="1400" dirty="0">
-              <a:latin typeface="Spoqa Han Sans Neo Medium" pitchFamily="50" charset="-127"/>
-              <a:ea typeface="Spoqa Han Sans Neo Medium" pitchFamily="50" charset="-127"/>
-            </a:endParaRPr>
-          </a:p>
-        </p:txBody>
-      </p:sp>
-      <p:sp>
-        <p:nvSpPr>
-          <p:cNvPr id="7" name="TextBox 6">
-            <a:extLst>
-              <a:ext uri="{FF2B5EF4-FFF2-40B4-BE49-F238E27FC236}">
-                <a16:creationId xmlns:a16="http://schemas.microsoft.com/office/drawing/2014/main" id="{38AC0D9F-054E-30D6-CB06-CF3B71D316B3}"/>
-              </a:ext>
-            </a:extLst>
-          </p:cNvPr>
-          <p:cNvSpPr txBox="1"/>
-          <p:nvPr/>
-        </p:nvSpPr>
-        <p:spPr>
-          <a:xfrm>
-            <a:off x="1543450" y="1193394"/>
-            <a:ext cx="1503574" cy="261610"/>
-          </a:xfrm>
-          <a:prstGeom prst="rect">
-            <a:avLst/>
-          </a:prstGeom>
-          <a:noFill/>
-        </p:spPr>
-        <p:txBody>
-          <a:bodyPr wrap="square" rtlCol="0">
-            <a:spAutoFit/>
-          </a:bodyPr>
-          <a:lstStyle/>
-          <a:p>
-            <a:r>
-              <a:rPr lang="ko-KR" altLang="en-US" sz="1100" dirty="0">
+              </a:endParaRPr>
+            </a:p>
+          </p:txBody>
+        </p:sp>
+        <p:sp>
+          <p:nvSpPr>
+            <p:cNvPr id="7" name="TextBox 6">
+              <a:extLst>
+                <a:ext uri="{FF2B5EF4-FFF2-40B4-BE49-F238E27FC236}">
+                  <a16:creationId xmlns:a16="http://schemas.microsoft.com/office/drawing/2014/main" id="{38AC0D9F-054E-30D6-CB06-CF3B71D316B3}"/>
+                </a:ext>
+              </a:extLst>
+            </p:cNvPr>
+            <p:cNvSpPr txBox="1"/>
+            <p:nvPr/>
+          </p:nvSpPr>
+          <p:spPr>
+            <a:xfrm>
+              <a:off x="1543450" y="1193394"/>
+              <a:ext cx="1503574" cy="261610"/>
+            </a:xfrm>
+            <a:prstGeom prst="rect">
+              <a:avLst/>
+            </a:prstGeom>
+            <a:noFill/>
+          </p:spPr>
+          <p:txBody>
+            <a:bodyPr wrap="square" rtlCol="0">
+              <a:spAutoFit/>
+            </a:bodyPr>
+            <a:lstStyle/>
+            <a:p>
+              <a:r>
+                <a:rPr lang="ko-KR" altLang="en-US" sz="1100" dirty="0">
+                  <a:latin typeface="Spoqa Han Sans Neo Medium" pitchFamily="50" charset="-127"/>
+                  <a:ea typeface="Spoqa Han Sans Neo Medium" pitchFamily="50" charset="-127"/>
+                </a:rPr>
+                <a:t>오늘도 열공</a:t>
+              </a:r>
+              <a:r>
+                <a:rPr lang="en-US" altLang="ko-KR" sz="1100" dirty="0">
+                  <a:latin typeface="Spoqa Han Sans Neo Medium" pitchFamily="50" charset="-127"/>
+                  <a:ea typeface="Spoqa Han Sans Neo Medium" pitchFamily="50" charset="-127"/>
+                </a:rPr>
+                <a:t>!</a:t>
+              </a:r>
+              <a:endParaRPr lang="ko-KR" altLang="en-US" sz="1100" dirty="0">
                 <a:latin typeface="Spoqa Han Sans Neo Medium" pitchFamily="50" charset="-127"/>
                 <a:ea typeface="Spoqa Han Sans Neo Medium" pitchFamily="50" charset="-127"/>
-              </a:rPr>
-              <a:t>오늘도 열공</a:t>
-            </a:r>
-            <a:r>
-              <a:rPr lang="en-US" altLang="ko-KR" sz="1100" dirty="0">
-                <a:latin typeface="Spoqa Han Sans Neo Medium" pitchFamily="50" charset="-127"/>
-                <a:ea typeface="Spoqa Han Sans Neo Medium" pitchFamily="50" charset="-127"/>
-              </a:rPr>
-              <a:t>!</a:t>
-            </a:r>
-            <a:endParaRPr lang="ko-KR" altLang="en-US" sz="1100" dirty="0">
-              <a:latin typeface="Spoqa Han Sans Neo Medium" pitchFamily="50" charset="-127"/>
-              <a:ea typeface="Spoqa Han Sans Neo Medium" pitchFamily="50" charset="-127"/>
-            </a:endParaRPr>
-          </a:p>
-        </p:txBody>
-      </p:sp>
-      <p:pic>
-        <p:nvPicPr>
-          <p:cNvPr id="9" name="그림 8">
-            <a:extLst>
-              <a:ext uri="{FF2B5EF4-FFF2-40B4-BE49-F238E27FC236}">
-                <a16:creationId xmlns:a16="http://schemas.microsoft.com/office/drawing/2014/main" id="{65BBFAC4-A75C-95A9-C37D-A17305B1A4F5}"/>
-              </a:ext>
-            </a:extLst>
-          </p:cNvPr>
-          <p:cNvPicPr>
-            <a:picLocks noChangeAspect="1"/>
-          </p:cNvPicPr>
-          <p:nvPr/>
-        </p:nvPicPr>
-        <p:blipFill>
-          <a:blip r:embed="rId3" cstate="print">
-            <a:extLst>
-              <a:ext uri="{28A0092B-C50C-407E-A947-70E740481C1C}">
-                <a14:useLocalDpi xmlns:a14="http://schemas.microsoft.com/office/drawing/2010/main" val="0"/>
-              </a:ext>
-            </a:extLst>
-          </a:blip>
-          <a:stretch>
-            <a:fillRect/>
-          </a:stretch>
-        </p:blipFill>
-        <p:spPr>
-          <a:xfrm flipH="1">
-            <a:off x="1998973" y="1713552"/>
-            <a:ext cx="386571" cy="386571"/>
-          </a:xfrm>
-          <a:prstGeom prst="rect">
-            <a:avLst/>
-          </a:prstGeom>
-        </p:spPr>
-      </p:pic>
-      <p:pic>
-        <p:nvPicPr>
-          <p:cNvPr id="11" name="그림 10">
-            <a:extLst>
-              <a:ext uri="{FF2B5EF4-FFF2-40B4-BE49-F238E27FC236}">
-                <a16:creationId xmlns:a16="http://schemas.microsoft.com/office/drawing/2014/main" id="{CADA5CC2-C21D-93C0-6CB9-44B8A6E5E179}"/>
-              </a:ext>
-            </a:extLst>
-          </p:cNvPr>
-          <p:cNvPicPr>
-            <a:picLocks noChangeAspect="1"/>
-          </p:cNvPicPr>
-          <p:nvPr/>
-        </p:nvPicPr>
-        <p:blipFill>
-          <a:blip r:embed="rId4" cstate="print">
-            <a:extLst>
-              <a:ext uri="{28A0092B-C50C-407E-A947-70E740481C1C}">
-                <a14:useLocalDpi xmlns:a14="http://schemas.microsoft.com/office/drawing/2010/main" val="0"/>
-              </a:ext>
-            </a:extLst>
-          </a:blip>
-          <a:stretch>
-            <a:fillRect/>
-          </a:stretch>
-        </p:blipFill>
-        <p:spPr>
-          <a:xfrm>
-            <a:off x="2994015" y="1713731"/>
-            <a:ext cx="386571" cy="386571"/>
-          </a:xfrm>
-          <a:prstGeom prst="rect">
-            <a:avLst/>
-          </a:prstGeom>
-        </p:spPr>
-      </p:pic>
-      <p:sp>
-        <p:nvSpPr>
-          <p:cNvPr id="12" name="TextBox 11">
-            <a:extLst>
-              <a:ext uri="{FF2B5EF4-FFF2-40B4-BE49-F238E27FC236}">
-                <a16:creationId xmlns:a16="http://schemas.microsoft.com/office/drawing/2014/main" id="{E6E2FA90-41E4-E5E1-7D02-30D1D40448BE}"/>
-              </a:ext>
-            </a:extLst>
-          </p:cNvPr>
-          <p:cNvSpPr txBox="1"/>
-          <p:nvPr/>
-        </p:nvSpPr>
-        <p:spPr>
-          <a:xfrm>
-            <a:off x="1794967" y="2107040"/>
-            <a:ext cx="794582" cy="261610"/>
-          </a:xfrm>
-          <a:prstGeom prst="rect">
-            <a:avLst/>
-          </a:prstGeom>
-          <a:noFill/>
-        </p:spPr>
-        <p:txBody>
-          <a:bodyPr wrap="square" rtlCol="0">
-            <a:spAutoFit/>
-          </a:bodyPr>
-          <a:lstStyle/>
-          <a:p>
-            <a:pPr algn="ctr"/>
-            <a:r>
-              <a:rPr lang="ko-KR" altLang="en-US" sz="1100" dirty="0">
-                <a:latin typeface="Spoqa Han Sans Neo Medium" pitchFamily="50" charset="-127"/>
-                <a:ea typeface="Spoqa Han Sans Neo Medium" pitchFamily="50" charset="-127"/>
-              </a:rPr>
-              <a:t>문제 스캔</a:t>
-            </a:r>
-          </a:p>
-        </p:txBody>
-      </p:sp>
-      <p:sp>
-        <p:nvSpPr>
-          <p:cNvPr id="13" name="TextBox 12">
-            <a:extLst>
-              <a:ext uri="{FF2B5EF4-FFF2-40B4-BE49-F238E27FC236}">
-                <a16:creationId xmlns:a16="http://schemas.microsoft.com/office/drawing/2014/main" id="{7546F521-D56D-B718-C796-03D3B3BDBB8A}"/>
-              </a:ext>
-            </a:extLst>
-          </p:cNvPr>
-          <p:cNvSpPr txBox="1"/>
-          <p:nvPr/>
-        </p:nvSpPr>
-        <p:spPr>
-          <a:xfrm>
-            <a:off x="2790009" y="2107040"/>
-            <a:ext cx="794582" cy="261610"/>
-          </a:xfrm>
-          <a:prstGeom prst="rect">
-            <a:avLst/>
-          </a:prstGeom>
-          <a:noFill/>
-        </p:spPr>
-        <p:txBody>
-          <a:bodyPr wrap="square" rtlCol="0">
-            <a:spAutoFit/>
-          </a:bodyPr>
-          <a:lstStyle/>
-          <a:p>
-            <a:pPr algn="ctr"/>
-            <a:r>
-              <a:rPr lang="ko-KR" altLang="en-US" sz="1100" dirty="0">
-                <a:latin typeface="Spoqa Han Sans Neo Medium" pitchFamily="50" charset="-127"/>
-                <a:ea typeface="Spoqa Han Sans Neo Medium" pitchFamily="50" charset="-127"/>
-              </a:rPr>
-              <a:t>오답 노트</a:t>
-            </a:r>
-          </a:p>
-        </p:txBody>
-      </p:sp>
-      <p:sp>
-        <p:nvSpPr>
-          <p:cNvPr id="14" name="TextBox 13">
-            <a:extLst>
-              <a:ext uri="{FF2B5EF4-FFF2-40B4-BE49-F238E27FC236}">
-                <a16:creationId xmlns:a16="http://schemas.microsoft.com/office/drawing/2014/main" id="{F2BC1BB5-509E-AB90-A0F8-BB69E30B38E3}"/>
-              </a:ext>
-            </a:extLst>
-          </p:cNvPr>
-          <p:cNvSpPr txBox="1"/>
-          <p:nvPr/>
-        </p:nvSpPr>
-        <p:spPr>
-          <a:xfrm>
-            <a:off x="1550076" y="2574107"/>
-            <a:ext cx="1768618" cy="261610"/>
-          </a:xfrm>
-          <a:prstGeom prst="rect">
-            <a:avLst/>
-          </a:prstGeom>
-          <a:noFill/>
-        </p:spPr>
-        <p:txBody>
-          <a:bodyPr wrap="square" rtlCol="0">
-            <a:spAutoFit/>
-          </a:bodyPr>
-          <a:lstStyle/>
-          <a:p>
-            <a:r>
-              <a:rPr lang="ko-KR" altLang="en-US" sz="1100" dirty="0">
-                <a:latin typeface="Spoqa Han Sans Neo Medium" pitchFamily="50" charset="-127"/>
-                <a:ea typeface="Spoqa Han Sans Neo Medium" pitchFamily="50" charset="-127"/>
-              </a:rPr>
-              <a:t>최근에 스캔한 문제</a:t>
-            </a:r>
-          </a:p>
-        </p:txBody>
-      </p:sp>
-      <p:sp>
-        <p:nvSpPr>
-          <p:cNvPr id="20" name="직사각형 19">
-            <a:extLst>
-              <a:ext uri="{FF2B5EF4-FFF2-40B4-BE49-F238E27FC236}">
-                <a16:creationId xmlns:a16="http://schemas.microsoft.com/office/drawing/2014/main" id="{ABD2910C-E091-B38B-C318-DDB65206FEF8}"/>
-              </a:ext>
-            </a:extLst>
-          </p:cNvPr>
-          <p:cNvSpPr/>
-          <p:nvPr/>
-        </p:nvSpPr>
-        <p:spPr>
-          <a:xfrm>
-            <a:off x="1894906" y="3934748"/>
-            <a:ext cx="1669774" cy="904511"/>
-          </a:xfrm>
-          <a:prstGeom prst="rect">
-            <a:avLst/>
-          </a:prstGeom>
-          <a:solidFill>
-            <a:schemeClr val="bg1"/>
-          </a:solidFill>
-        </p:spPr>
-        <p:style>
-          <a:lnRef idx="2">
-            <a:schemeClr val="accent1">
-              <a:shade val="15000"/>
-            </a:schemeClr>
-          </a:lnRef>
-          <a:fillRef idx="1">
-            <a:schemeClr val="accent1"/>
-          </a:fillRef>
-          <a:effectRef idx="0">
-            <a:schemeClr val="accent1"/>
-          </a:effectRef>
-          <a:fontRef idx="minor">
-            <a:schemeClr val="lt1"/>
-          </a:fontRef>
-        </p:style>
-        <p:txBody>
-          <a:bodyPr rtlCol="0" anchor="ctr"/>
-          <a:lstStyle/>
-          <a:p>
-            <a:pPr algn="ctr"/>
-            <a:endParaRPr lang="ko-KR" altLang="en-US"/>
-          </a:p>
-        </p:txBody>
-      </p:sp>
-      <p:sp>
-        <p:nvSpPr>
-          <p:cNvPr id="21" name="직사각형 20">
-            <a:extLst>
-              <a:ext uri="{FF2B5EF4-FFF2-40B4-BE49-F238E27FC236}">
-                <a16:creationId xmlns:a16="http://schemas.microsoft.com/office/drawing/2014/main" id="{9A5BD3A9-5062-41F6-BC1A-104F02EA929B}"/>
-              </a:ext>
-            </a:extLst>
-          </p:cNvPr>
-          <p:cNvSpPr/>
-          <p:nvPr/>
-        </p:nvSpPr>
-        <p:spPr>
-          <a:xfrm>
-            <a:off x="1907610" y="4964156"/>
-            <a:ext cx="1669774" cy="904511"/>
-          </a:xfrm>
-          <a:prstGeom prst="rect">
-            <a:avLst/>
-          </a:prstGeom>
-          <a:solidFill>
-            <a:schemeClr val="bg1"/>
-          </a:solidFill>
-        </p:spPr>
-        <p:style>
-          <a:lnRef idx="2">
-            <a:schemeClr val="accent1">
-              <a:shade val="15000"/>
-            </a:schemeClr>
-          </a:lnRef>
-          <a:fillRef idx="1">
-            <a:schemeClr val="accent1"/>
-          </a:fillRef>
-          <a:effectRef idx="0">
-            <a:schemeClr val="accent1"/>
-          </a:effectRef>
-          <a:fontRef idx="minor">
-            <a:schemeClr val="lt1"/>
-          </a:fontRef>
-        </p:style>
-        <p:txBody>
-          <a:bodyPr rtlCol="0" anchor="ctr"/>
-          <a:lstStyle/>
-          <a:p>
-            <a:pPr algn="ctr"/>
-            <a:endParaRPr lang="ko-KR" altLang="en-US"/>
-          </a:p>
-        </p:txBody>
-      </p:sp>
+              </a:endParaRPr>
+            </a:p>
+          </p:txBody>
+        </p:sp>
+        <p:pic>
+          <p:nvPicPr>
+            <p:cNvPr id="9" name="그림 8">
+              <a:extLst>
+                <a:ext uri="{FF2B5EF4-FFF2-40B4-BE49-F238E27FC236}">
+                  <a16:creationId xmlns:a16="http://schemas.microsoft.com/office/drawing/2014/main" id="{65BBFAC4-A75C-95A9-C37D-A17305B1A4F5}"/>
+                </a:ext>
+              </a:extLst>
+            </p:cNvPr>
+            <p:cNvPicPr>
+              <a:picLocks noChangeAspect="1"/>
+            </p:cNvPicPr>
+            <p:nvPr/>
+          </p:nvPicPr>
+          <p:blipFill>
+            <a:blip r:embed="rId3" cstate="print">
+              <a:extLst>
+                <a:ext uri="{28A0092B-C50C-407E-A947-70E740481C1C}">
+                  <a14:useLocalDpi xmlns:a14="http://schemas.microsoft.com/office/drawing/2010/main" val="0"/>
+                </a:ext>
+              </a:extLst>
+            </a:blip>
+            <a:stretch>
+              <a:fillRect/>
+            </a:stretch>
+          </p:blipFill>
+          <p:spPr>
+            <a:xfrm flipH="1">
+              <a:off x="1998973" y="1713552"/>
+              <a:ext cx="386571" cy="386571"/>
+            </a:xfrm>
+            <a:prstGeom prst="rect">
+              <a:avLst/>
+            </a:prstGeom>
+          </p:spPr>
+        </p:pic>
+        <p:pic>
+          <p:nvPicPr>
+            <p:cNvPr id="11" name="그림 10">
+              <a:extLst>
+                <a:ext uri="{FF2B5EF4-FFF2-40B4-BE49-F238E27FC236}">
+                  <a16:creationId xmlns:a16="http://schemas.microsoft.com/office/drawing/2014/main" id="{CADA5CC2-C21D-93C0-6CB9-44B8A6E5E179}"/>
+                </a:ext>
+              </a:extLst>
+            </p:cNvPr>
+            <p:cNvPicPr>
+              <a:picLocks noChangeAspect="1"/>
+            </p:cNvPicPr>
+            <p:nvPr/>
+          </p:nvPicPr>
+          <p:blipFill>
+            <a:blip r:embed="rId4" cstate="print">
+              <a:extLst>
+                <a:ext uri="{28A0092B-C50C-407E-A947-70E740481C1C}">
+                  <a14:useLocalDpi xmlns:a14="http://schemas.microsoft.com/office/drawing/2010/main" val="0"/>
+                </a:ext>
+              </a:extLst>
+            </a:blip>
+            <a:stretch>
+              <a:fillRect/>
+            </a:stretch>
+          </p:blipFill>
+          <p:spPr>
+            <a:xfrm>
+              <a:off x="2994015" y="1713731"/>
+              <a:ext cx="386571" cy="386571"/>
+            </a:xfrm>
+            <a:prstGeom prst="rect">
+              <a:avLst/>
+            </a:prstGeom>
+          </p:spPr>
+        </p:pic>
+        <p:sp>
+          <p:nvSpPr>
+            <p:cNvPr id="12" name="TextBox 11">
+              <a:extLst>
+                <a:ext uri="{FF2B5EF4-FFF2-40B4-BE49-F238E27FC236}">
+                  <a16:creationId xmlns:a16="http://schemas.microsoft.com/office/drawing/2014/main" id="{E6E2FA90-41E4-E5E1-7D02-30D1D40448BE}"/>
+                </a:ext>
+              </a:extLst>
+            </p:cNvPr>
+            <p:cNvSpPr txBox="1"/>
+            <p:nvPr/>
+          </p:nvSpPr>
+          <p:spPr>
+            <a:xfrm>
+              <a:off x="1794967" y="2107040"/>
+              <a:ext cx="794582" cy="261610"/>
+            </a:xfrm>
+            <a:prstGeom prst="rect">
+              <a:avLst/>
+            </a:prstGeom>
+            <a:noFill/>
+          </p:spPr>
+          <p:txBody>
+            <a:bodyPr wrap="square" rtlCol="0">
+              <a:spAutoFit/>
+            </a:bodyPr>
+            <a:lstStyle/>
+            <a:p>
+              <a:pPr algn="ctr"/>
+              <a:r>
+                <a:rPr lang="ko-KR" altLang="en-US" sz="1100" dirty="0">
+                  <a:latin typeface="Spoqa Han Sans Neo Medium" pitchFamily="50" charset="-127"/>
+                  <a:ea typeface="Spoqa Han Sans Neo Medium" pitchFamily="50" charset="-127"/>
+                </a:rPr>
+                <a:t>문제 스캔</a:t>
+              </a:r>
+            </a:p>
+          </p:txBody>
+        </p:sp>
+        <p:sp>
+          <p:nvSpPr>
+            <p:cNvPr id="13" name="TextBox 12">
+              <a:extLst>
+                <a:ext uri="{FF2B5EF4-FFF2-40B4-BE49-F238E27FC236}">
+                  <a16:creationId xmlns:a16="http://schemas.microsoft.com/office/drawing/2014/main" id="{7546F521-D56D-B718-C796-03D3B3BDBB8A}"/>
+                </a:ext>
+              </a:extLst>
+            </p:cNvPr>
+            <p:cNvSpPr txBox="1"/>
+            <p:nvPr/>
+          </p:nvSpPr>
+          <p:spPr>
+            <a:xfrm>
+              <a:off x="2790009" y="2107040"/>
+              <a:ext cx="794582" cy="261610"/>
+            </a:xfrm>
+            <a:prstGeom prst="rect">
+              <a:avLst/>
+            </a:prstGeom>
+            <a:noFill/>
+          </p:spPr>
+          <p:txBody>
+            <a:bodyPr wrap="square" rtlCol="0">
+              <a:spAutoFit/>
+            </a:bodyPr>
+            <a:lstStyle/>
+            <a:p>
+              <a:pPr algn="ctr"/>
+              <a:r>
+                <a:rPr lang="ko-KR" altLang="en-US" sz="1100" dirty="0">
+                  <a:latin typeface="Spoqa Han Sans Neo Medium" pitchFamily="50" charset="-127"/>
+                  <a:ea typeface="Spoqa Han Sans Neo Medium" pitchFamily="50" charset="-127"/>
+                </a:rPr>
+                <a:t>오답 노트</a:t>
+              </a:r>
+            </a:p>
+          </p:txBody>
+        </p:sp>
+        <p:sp>
+          <p:nvSpPr>
+            <p:cNvPr id="14" name="TextBox 13">
+              <a:extLst>
+                <a:ext uri="{FF2B5EF4-FFF2-40B4-BE49-F238E27FC236}">
+                  <a16:creationId xmlns:a16="http://schemas.microsoft.com/office/drawing/2014/main" id="{F2BC1BB5-509E-AB90-A0F8-BB69E30B38E3}"/>
+                </a:ext>
+              </a:extLst>
+            </p:cNvPr>
+            <p:cNvSpPr txBox="1"/>
+            <p:nvPr/>
+          </p:nvSpPr>
+          <p:spPr>
+            <a:xfrm>
+              <a:off x="1550076" y="2574107"/>
+              <a:ext cx="1768618" cy="261610"/>
+            </a:xfrm>
+            <a:prstGeom prst="rect">
+              <a:avLst/>
+            </a:prstGeom>
+            <a:noFill/>
+          </p:spPr>
+          <p:txBody>
+            <a:bodyPr wrap="square" rtlCol="0">
+              <a:spAutoFit/>
+            </a:bodyPr>
+            <a:lstStyle/>
+            <a:p>
+              <a:r>
+                <a:rPr lang="ko-KR" altLang="en-US" sz="1100" dirty="0">
+                  <a:latin typeface="Spoqa Han Sans Neo Medium" pitchFamily="50" charset="-127"/>
+                  <a:ea typeface="Spoqa Han Sans Neo Medium" pitchFamily="50" charset="-127"/>
+                </a:rPr>
+                <a:t>최근에 스캔한 문제</a:t>
+              </a:r>
+            </a:p>
+          </p:txBody>
+        </p:sp>
+        <p:sp>
+          <p:nvSpPr>
+            <p:cNvPr id="20" name="직사각형 19">
+              <a:extLst>
+                <a:ext uri="{FF2B5EF4-FFF2-40B4-BE49-F238E27FC236}">
+                  <a16:creationId xmlns:a16="http://schemas.microsoft.com/office/drawing/2014/main" id="{ABD2910C-E091-B38B-C318-DDB65206FEF8}"/>
+                </a:ext>
+              </a:extLst>
+            </p:cNvPr>
+            <p:cNvSpPr/>
+            <p:nvPr/>
+          </p:nvSpPr>
+          <p:spPr>
+            <a:xfrm>
+              <a:off x="1894906" y="3934748"/>
+              <a:ext cx="1669774" cy="904511"/>
+            </a:xfrm>
+            <a:prstGeom prst="rect">
+              <a:avLst/>
+            </a:prstGeom>
+            <a:solidFill>
+              <a:schemeClr val="bg1"/>
+            </a:solidFill>
+          </p:spPr>
+          <p:style>
+            <a:lnRef idx="2">
+              <a:schemeClr val="accent1">
+                <a:shade val="15000"/>
+              </a:schemeClr>
+            </a:lnRef>
+            <a:fillRef idx="1">
+              <a:schemeClr val="accent1"/>
+            </a:fillRef>
+            <a:effectRef idx="0">
+              <a:schemeClr val="accent1"/>
+            </a:effectRef>
+            <a:fontRef idx="minor">
+              <a:schemeClr val="lt1"/>
+            </a:fontRef>
+          </p:style>
+          <p:txBody>
+            <a:bodyPr rtlCol="0" anchor="ctr"/>
+            <a:lstStyle/>
+            <a:p>
+              <a:pPr algn="ctr"/>
+              <a:endParaRPr lang="ko-KR" altLang="en-US"/>
+            </a:p>
+          </p:txBody>
+        </p:sp>
+        <p:sp>
+          <p:nvSpPr>
+            <p:cNvPr id="21" name="직사각형 20">
+              <a:extLst>
+                <a:ext uri="{FF2B5EF4-FFF2-40B4-BE49-F238E27FC236}">
+                  <a16:creationId xmlns:a16="http://schemas.microsoft.com/office/drawing/2014/main" id="{9A5BD3A9-5062-41F6-BC1A-104F02EA929B}"/>
+                </a:ext>
+              </a:extLst>
+            </p:cNvPr>
+            <p:cNvSpPr/>
+            <p:nvPr/>
+          </p:nvSpPr>
+          <p:spPr>
+            <a:xfrm>
+              <a:off x="1907610" y="4964156"/>
+              <a:ext cx="1669774" cy="904511"/>
+            </a:xfrm>
+            <a:prstGeom prst="rect">
+              <a:avLst/>
+            </a:prstGeom>
+            <a:solidFill>
+              <a:schemeClr val="bg1"/>
+            </a:solidFill>
+          </p:spPr>
+          <p:style>
+            <a:lnRef idx="2">
+              <a:schemeClr val="accent1">
+                <a:shade val="15000"/>
+              </a:schemeClr>
+            </a:lnRef>
+            <a:fillRef idx="1">
+              <a:schemeClr val="accent1"/>
+            </a:fillRef>
+            <a:effectRef idx="0">
+              <a:schemeClr val="accent1"/>
+            </a:effectRef>
+            <a:fontRef idx="minor">
+              <a:schemeClr val="lt1"/>
+            </a:fontRef>
+          </p:style>
+          <p:txBody>
+            <a:bodyPr rtlCol="0" anchor="ctr"/>
+            <a:lstStyle/>
+            <a:p>
+              <a:pPr algn="ctr"/>
+              <a:endParaRPr lang="ko-KR" altLang="en-US"/>
+            </a:p>
+          </p:txBody>
+        </p:sp>
+      </p:grpSp>
       <p:pic>
         <p:nvPicPr>
           <p:cNvPr id="34" name="그림 33">
@@ -4504,10 +4525,10 @@
       </p:grpSpPr>
       <p:grpSp>
         <p:nvGrpSpPr>
-          <p:cNvPr id="154" name="그룹 153">
+          <p:cNvPr id="16" name="그룹 15">
             <a:extLst>
               <a:ext uri="{FF2B5EF4-FFF2-40B4-BE49-F238E27FC236}">
-                <a16:creationId xmlns:a16="http://schemas.microsoft.com/office/drawing/2014/main" id="{C2A180D5-A23D-B573-96BA-A99066EBCD17}"/>
+                <a16:creationId xmlns:a16="http://schemas.microsoft.com/office/drawing/2014/main" id="{3BFE4D6C-5200-02E0-4119-294C20764BF6}"/>
               </a:ext>
             </a:extLst>
           </p:cNvPr>
@@ -4522,6 +4543,58 @@
             <a:chExt cx="10434638" cy="7171266"/>
           </a:xfrm>
         </p:grpSpPr>
+        <p:sp>
+          <p:nvSpPr>
+            <p:cNvPr id="15" name="직사각형 14">
+              <a:extLst>
+                <a:ext uri="{FF2B5EF4-FFF2-40B4-BE49-F238E27FC236}">
+                  <a16:creationId xmlns:a16="http://schemas.microsoft.com/office/drawing/2014/main" id="{87A9676D-4C2E-69A5-88C1-75C3EDF12D9A}"/>
+                </a:ext>
+              </a:extLst>
+            </p:cNvPr>
+            <p:cNvSpPr/>
+            <p:nvPr/>
+          </p:nvSpPr>
+          <p:spPr>
+            <a:xfrm>
+              <a:off x="1757362" y="2211176"/>
+              <a:ext cx="10434638" cy="851211"/>
+            </a:xfrm>
+            <a:prstGeom prst="rect">
+              <a:avLst/>
+            </a:prstGeom>
+            <a:solidFill>
+              <a:schemeClr val="bg1"/>
+            </a:solidFill>
+            <a:ln>
+              <a:noFill/>
+            </a:ln>
+          </p:spPr>
+          <p:style>
+            <a:lnRef idx="2">
+              <a:schemeClr val="accent1">
+                <a:shade val="15000"/>
+              </a:schemeClr>
+            </a:lnRef>
+            <a:fillRef idx="1">
+              <a:schemeClr val="accent1"/>
+            </a:fillRef>
+            <a:effectRef idx="0">
+              <a:schemeClr val="accent1"/>
+            </a:effectRef>
+            <a:fontRef idx="minor">
+              <a:schemeClr val="lt1"/>
+            </a:fontRef>
+          </p:style>
+          <p:txBody>
+            <a:bodyPr rtlCol="0" anchor="ctr"/>
+            <a:lstStyle/>
+            <a:p>
+              <a:pPr algn="ctr"/>
+              <a:endParaRPr lang="ko-KR" altLang="en-US"/>
+            </a:p>
+          </p:txBody>
+        </p:sp>
         <p:sp>
           <p:nvSpPr>
             <p:cNvPr id="3" name="직사각형 2">
@@ -5063,7 +5136,7 @@
           </p:nvSpPr>
           <p:spPr>
             <a:xfrm>
-              <a:off x="6273442" y="5551452"/>
+              <a:off x="5804707" y="5525108"/>
               <a:ext cx="1689414" cy="531912"/>
             </a:xfrm>
             <a:prstGeom prst="rect">
@@ -5110,56 +5183,11 @@
                   <a:latin typeface="Spoqa Han Sans Neo Medium" pitchFamily="50" charset="-127"/>
                   <a:ea typeface="Spoqa Han Sans Neo Medium" pitchFamily="50" charset="-127"/>
                 </a:rPr>
-                <a:t>과목 분류</a:t>
+                <a:t>과목 구분</a:t>
               </a:r>
             </a:p>
           </p:txBody>
         </p:sp>
-        <p:cxnSp>
-          <p:nvCxnSpPr>
-            <p:cNvPr id="28" name="연결선: 꺾임 27">
-              <a:extLst>
-                <a:ext uri="{FF2B5EF4-FFF2-40B4-BE49-F238E27FC236}">
-                  <a16:creationId xmlns:a16="http://schemas.microsoft.com/office/drawing/2014/main" id="{88D6659A-6A26-ABA3-2248-091DD0B9D95C}"/>
-                </a:ext>
-              </a:extLst>
-            </p:cNvPr>
-            <p:cNvCxnSpPr>
-              <a:stCxn id="10" idx="3"/>
-              <a:endCxn id="12" idx="2"/>
-            </p:cNvCxnSpPr>
-            <p:nvPr/>
-          </p:nvCxnSpPr>
-          <p:spPr>
-            <a:xfrm flipV="1">
-              <a:off x="4117683" y="3877663"/>
-              <a:ext cx="1391672" cy="1265890"/>
-            </a:xfrm>
-            <a:prstGeom prst="bentConnector2">
-              <a:avLst/>
-            </a:prstGeom>
-            <a:ln w="31750">
-              <a:solidFill>
-                <a:schemeClr val="tx1"/>
-              </a:solidFill>
-              <a:tailEnd type="triangle"/>
-            </a:ln>
-          </p:spPr>
-          <p:style>
-            <a:lnRef idx="1">
-              <a:schemeClr val="accent1"/>
-            </a:lnRef>
-            <a:fillRef idx="0">
-              <a:schemeClr val="accent1"/>
-            </a:fillRef>
-            <a:effectRef idx="0">
-              <a:schemeClr val="accent1"/>
-            </a:effectRef>
-            <a:fontRef idx="minor">
-              <a:schemeClr val="tx1"/>
-            </a:fontRef>
-          </p:style>
-        </p:cxnSp>
         <p:sp>
           <p:nvSpPr>
             <p:cNvPr id="31" name="직사각형 30">
@@ -5368,20 +5396,18 @@
             </p:cNvPr>
             <p:cNvCxnSpPr>
               <a:cxnSpLocks/>
-              <a:stCxn id="10" idx="3"/>
+              <a:stCxn id="10" idx="2"/>
               <a:endCxn id="23" idx="1"/>
             </p:cNvCxnSpPr>
             <p:nvPr/>
           </p:nvCxnSpPr>
           <p:spPr>
-            <a:xfrm>
-              <a:off x="4117683" y="5143553"/>
-              <a:ext cx="2155759" cy="673855"/>
+            <a:xfrm rot="16200000" flipH="1">
+              <a:off x="4348064" y="4334420"/>
+              <a:ext cx="381555" cy="2531731"/>
             </a:xfrm>
-            <a:prstGeom prst="bentConnector3">
-              <a:avLst>
-                <a:gd name="adj1" fmla="val 15046"/>
-              </a:avLst>
+            <a:prstGeom prst="bentConnector2">
+              <a:avLst/>
             </a:prstGeom>
             <a:ln w="31750">
               <a:solidFill>
@@ -5419,8 +5445,8 @@
           </p:nvSpPr>
           <p:spPr>
             <a:xfrm>
-              <a:off x="4698516" y="5498210"/>
-              <a:ext cx="1279009" cy="646331"/>
+              <a:off x="3544957" y="5607558"/>
+              <a:ext cx="1908569" cy="369332"/>
             </a:xfrm>
             <a:prstGeom prst="rect">
               <a:avLst/>
@@ -5444,17 +5470,14 @@
                   <a:latin typeface="Spoqa Han Sans Neo Medium" pitchFamily="50" charset="-127"/>
                   <a:ea typeface="Spoqa Han Sans Neo Medium" pitchFamily="50" charset="-127"/>
                 </a:rPr>
-                <a:t>OCR</a:t>
+                <a:t>OCR , </a:t>
               </a:r>
-            </a:p>
-            <a:p>
-              <a:pPr algn="ctr"/>
               <a:r>
                 <a:rPr lang="ko-KR" altLang="en-US" dirty="0">
                   <a:latin typeface="Spoqa Han Sans Neo Medium" pitchFamily="50" charset="-127"/>
                   <a:ea typeface="Spoqa Han Sans Neo Medium" pitchFamily="50" charset="-127"/>
                 </a:rPr>
-                <a:t>자연어처리</a:t>
+                <a:t>텍스트 분류</a:t>
               </a:r>
               <a:endParaRPr lang="en-US" altLang="ko-KR" dirty="0">
                 <a:latin typeface="Spoqa Han Sans Neo Medium" pitchFamily="50" charset="-127"/>
@@ -5475,18 +5498,18 @@
             <p:cNvCxnSpPr>
               <a:cxnSpLocks/>
               <a:stCxn id="23" idx="0"/>
-              <a:endCxn id="31" idx="2"/>
+              <a:endCxn id="12" idx="2"/>
             </p:cNvCxnSpPr>
             <p:nvPr/>
           </p:nvCxnSpPr>
           <p:spPr>
             <a:xfrm rot="16200000" flipV="1">
-              <a:off x="4441239" y="2874542"/>
-              <a:ext cx="3745026" cy="1608794"/>
+              <a:off x="5255663" y="4131356"/>
+              <a:ext cx="1647445" cy="1140059"/>
             </a:xfrm>
             <a:prstGeom prst="bentConnector3">
               <a:avLst>
-                <a:gd name="adj1" fmla="val 77808"/>
+                <a:gd name="adj1" fmla="val 50000"/>
               </a:avLst>
             </a:prstGeom>
             <a:ln w="31750">
